--- a/Repeat-Exam-Form-Generator-Copy.pptx
+++ b/Repeat-Exam-Form-Generator-Copy.pptx
@@ -11,7 +11,8 @@
     <p:sldId id="259" r:id="rId5"/>
     <p:sldId id="260" r:id="rId6"/>
     <p:sldId id="261" r:id="rId7"/>
-    <p:sldId id="263" r:id="rId8"/>
+    <p:sldId id="264" r:id="rId8"/>
+    <p:sldId id="263" r:id="rId9"/>
   </p:sldIdLst>
   <p:sldSz cx="12192000" cy="6858000"/>
   <p:notesSz cx="6858000" cy="9144000"/>
@@ -304,7 +305,7 @@
           <a:p>
             <a:fld id="{88D38747-4367-4BD2-8D51-C97E202738E2}" type="datetime1">
               <a:rPr lang="en-US" smtClean="0"/>
-              <a:t>11/5/2019</a:t>
+              <a:t>11/6/2019</a:t>
             </a:fld>
             <a:endParaRPr lang="en-US" dirty="0"/>
           </a:p>
@@ -580,7 +581,7 @@
           <a:p>
             <a:fld id="{11F1B079-7EF0-44EE-B798-BCC497C9F3B2}" type="datetime1">
               <a:rPr lang="en-US" smtClean="0"/>
-              <a:t>11/5/2019</a:t>
+              <a:t>11/6/2019</a:t>
             </a:fld>
             <a:endParaRPr lang="en-US" dirty="0"/>
           </a:p>
@@ -774,7 +775,7 @@
           <a:p>
             <a:fld id="{28FF70A8-1D13-4657-95F0-A9EA54967B8D}" type="datetime1">
               <a:rPr lang="en-US" smtClean="0"/>
-              <a:t>11/5/2019</a:t>
+              <a:t>11/6/2019</a:t>
             </a:fld>
             <a:endParaRPr lang="en-US" dirty="0"/>
           </a:p>
@@ -1047,7 +1048,7 @@
           <a:p>
             <a:fld id="{073ED0CC-082F-4160-86E5-0D6041F12778}" type="datetime1">
               <a:rPr lang="en-US" smtClean="0"/>
-              <a:t>11/5/2019</a:t>
+              <a:t>11/6/2019</a:t>
             </a:fld>
             <a:endParaRPr lang="en-US" dirty="0"/>
           </a:p>
@@ -1389,7 +1390,7 @@
           <a:p>
             <a:fld id="{073ED0CC-082F-4160-86E5-0D6041F12778}" type="datetime1">
               <a:rPr lang="en-US" smtClean="0"/>
-              <a:t>11/5/2019</a:t>
+              <a:t>11/6/2019</a:t>
             </a:fld>
             <a:endParaRPr lang="en-US" dirty="0"/>
           </a:p>
@@ -2013,7 +2014,7 @@
           <a:p>
             <a:fld id="{D9079DC3-C9B5-499E-9140-0DC28B7074E2}" type="datetime1">
               <a:rPr lang="en-US" smtClean="0"/>
-              <a:t>11/5/2019</a:t>
+              <a:t>11/6/2019</a:t>
             </a:fld>
             <a:endParaRPr lang="en-US" dirty="0"/>
           </a:p>
@@ -2873,7 +2874,7 @@
           <a:p>
             <a:fld id="{30BB33EA-E472-4D22-9C03-A9C14AA21CED}" type="datetime1">
               <a:rPr lang="en-US" smtClean="0"/>
-              <a:t>11/5/2019</a:t>
+              <a:t>11/6/2019</a:t>
             </a:fld>
             <a:endParaRPr lang="en-US" dirty="0"/>
           </a:p>
@@ -3043,7 +3044,7 @@
           <a:p>
             <a:fld id="{217E833E-1B6D-415F-AD29-75AE8C43BD0D}" type="datetime1">
               <a:rPr lang="en-US" smtClean="0"/>
-              <a:t>11/5/2019</a:t>
+              <a:t>11/6/2019</a:t>
             </a:fld>
             <a:endParaRPr lang="en-US" dirty="0"/>
           </a:p>
@@ -3223,7 +3224,7 @@
           <a:p>
             <a:fld id="{8452596F-08A7-4B70-989A-F2B1CF31E66B}" type="datetime1">
               <a:rPr lang="en-US" smtClean="0"/>
-              <a:t>11/5/2019</a:t>
+              <a:t>11/6/2019</a:t>
             </a:fld>
             <a:endParaRPr lang="en-US" dirty="0"/>
           </a:p>
@@ -3393,7 +3394,7 @@
           <a:p>
             <a:fld id="{73C55A3C-5767-4844-A0A3-83778C2E5409}" type="datetime1">
               <a:rPr lang="en-US" smtClean="0"/>
-              <a:t>11/5/2019</a:t>
+              <a:t>11/6/2019</a:t>
             </a:fld>
             <a:endParaRPr lang="en-US" dirty="0"/>
           </a:p>
@@ -3640,7 +3641,7 @@
           <a:p>
             <a:fld id="{CAE507A8-A5CF-4D38-AB86-7EDDA87A85D4}" type="datetime1">
               <a:rPr lang="en-US" smtClean="0"/>
-              <a:t>11/5/2019</a:t>
+              <a:t>11/6/2019</a:t>
             </a:fld>
             <a:endParaRPr lang="en-US" dirty="0"/>
           </a:p>
@@ -3933,7 +3934,7 @@
           <a:p>
             <a:fld id="{BDFCD27C-8599-43EF-BA1D-14DDC1946E06}" type="datetime1">
               <a:rPr lang="en-US" smtClean="0"/>
-              <a:t>11/5/2019</a:t>
+              <a:t>11/6/2019</a:t>
             </a:fld>
             <a:endParaRPr lang="en-US" dirty="0"/>
           </a:p>
@@ -4377,7 +4378,7 @@
           <a:p>
             <a:fld id="{49343D99-809A-49C0-96E5-4250D0B498EE}" type="datetime1">
               <a:rPr lang="en-US" smtClean="0"/>
-              <a:t>11/5/2019</a:t>
+              <a:t>11/6/2019</a:t>
             </a:fld>
             <a:endParaRPr lang="en-US" dirty="0"/>
           </a:p>
@@ -4495,7 +4496,7 @@
           <a:p>
             <a:fld id="{A143DE9B-B678-4EFB-BB7D-A4370204A0B0}" type="datetime1">
               <a:rPr lang="en-US" smtClean="0"/>
-              <a:t>11/5/2019</a:t>
+              <a:t>11/6/2019</a:t>
             </a:fld>
             <a:endParaRPr lang="en-US" dirty="0"/>
           </a:p>
@@ -4590,7 +4591,7 @@
           <a:p>
             <a:fld id="{E68812DA-F765-4142-A6A3-A8ED7235E082}" type="datetime1">
               <a:rPr lang="en-US" smtClean="0"/>
-              <a:t>11/5/2019</a:t>
+              <a:t>11/6/2019</a:t>
             </a:fld>
             <a:endParaRPr lang="en-US" dirty="0"/>
           </a:p>
@@ -4869,7 +4870,7 @@
           <a:p>
             <a:fld id="{3E0277FD-7DE6-41D4-930D-AC99F5AFE54E}" type="datetime1">
               <a:rPr lang="en-US" smtClean="0"/>
-              <a:t>11/5/2019</a:t>
+              <a:t>11/6/2019</a:t>
             </a:fld>
             <a:endParaRPr lang="en-US" dirty="0"/>
           </a:p>
@@ -5145,7 +5146,7 @@
           <a:p>
             <a:fld id="{9EA15526-7079-4B7B-987C-1B5FAE11A0FF}" type="datetime1">
               <a:rPr lang="en-US" smtClean="0"/>
-              <a:t>11/5/2019</a:t>
+              <a:t>11/6/2019</a:t>
             </a:fld>
             <a:endParaRPr lang="en-US" dirty="0"/>
           </a:p>
@@ -5575,7 +5576,7 @@
           <a:p>
             <a:fld id="{073ED0CC-082F-4160-86E5-0D6041F12778}" type="datetime1">
               <a:rPr lang="en-US" smtClean="0"/>
-              <a:t>11/5/2019</a:t>
+              <a:t>11/6/2019</a:t>
             </a:fld>
             <a:endParaRPr lang="en-US" dirty="0"/>
           </a:p>
@@ -6673,7 +6674,7 @@
         </p:blipFill>
         <p:spPr>
           <a:xfrm>
-            <a:off x="646111" y="1317720"/>
+            <a:off x="3880630" y="1385959"/>
             <a:ext cx="3543795" cy="2781688"/>
           </a:xfrm>
           <a:prstGeom prst="rect">
@@ -6992,7 +6993,7 @@
         <p:spPr>
           <a:xfrm>
             <a:off x="1328954" y="3562165"/>
-            <a:ext cx="5916973" cy="2686234"/>
+            <a:ext cx="8946541" cy="2686234"/>
           </a:xfrm>
           <a:prstGeom prst="rect">
             <a:avLst/>
@@ -7013,6 +7014,707 @@
 </file>
 
 <file path=ppt/slides/slide7.xml><?xml version="1.0" encoding="utf-8"?>
+<p:sld xmlns:a="http://schemas.openxmlformats.org/drawingml/2006/main" xmlns:r="http://schemas.openxmlformats.org/officeDocument/2006/relationships" xmlns:p="http://schemas.openxmlformats.org/presentationml/2006/main">
+  <p:cSld>
+    <p:spTree>
+      <p:nvGrpSpPr>
+        <p:cNvPr id="1" name=""/>
+        <p:cNvGrpSpPr/>
+        <p:nvPr/>
+      </p:nvGrpSpPr>
+      <p:grpSpPr>
+        <a:xfrm>
+          <a:off x="0" y="0"/>
+          <a:ext cx="0" cy="0"/>
+          <a:chOff x="0" y="0"/>
+          <a:chExt cx="0" cy="0"/>
+        </a:xfrm>
+      </p:grpSpPr>
+      <p:sp>
+        <p:nvSpPr>
+          <p:cNvPr id="2" name="Title 1">
+            <a:extLst>
+              <a:ext uri="{FF2B5EF4-FFF2-40B4-BE49-F238E27FC236}">
+                <a16:creationId xmlns:a16="http://schemas.microsoft.com/office/drawing/2014/main" id="{03E45B94-7935-4154-903F-BA1A2FC7C3C7}"/>
+              </a:ext>
+            </a:extLst>
+          </p:cNvPr>
+          <p:cNvSpPr>
+            <a:spLocks noGrp="1"/>
+          </p:cNvSpPr>
+          <p:nvPr>
+            <p:ph type="title"/>
+          </p:nvPr>
+        </p:nvSpPr>
+        <p:spPr/>
+        <p:txBody>
+          <a:bodyPr/>
+          <a:lstStyle/>
+          <a:p>
+            <a:r>
+              <a:rPr lang="en-US" dirty="0"/>
+              <a:t>Working Plan</a:t>
+            </a:r>
+          </a:p>
+        </p:txBody>
+      </p:sp>
+      <p:graphicFrame>
+        <p:nvGraphicFramePr>
+          <p:cNvPr id="10" name="Table 10">
+            <a:extLst>
+              <a:ext uri="{FF2B5EF4-FFF2-40B4-BE49-F238E27FC236}">
+                <a16:creationId xmlns:a16="http://schemas.microsoft.com/office/drawing/2014/main" id="{38B43DC6-8AB4-4B45-AE02-BF5C795432FC}"/>
+              </a:ext>
+            </a:extLst>
+          </p:cNvPr>
+          <p:cNvGraphicFramePr>
+            <a:graphicFrameLocks noGrp="1"/>
+          </p:cNvGraphicFramePr>
+          <p:nvPr>
+            <p:ph idx="1"/>
+            <p:extLst>
+              <p:ext uri="{D42A27DB-BD31-4B8C-83A1-F6EECF244321}">
+                <p14:modId xmlns:p14="http://schemas.microsoft.com/office/powerpoint/2010/main" val="824030108"/>
+              </p:ext>
+            </p:extLst>
+          </p:nvPr>
+        </p:nvGraphicFramePr>
+        <p:xfrm>
+          <a:off x="1226142" y="1580538"/>
+          <a:ext cx="8947150" cy="4857393"/>
+        </p:xfrm>
+        <a:graphic>
+          <a:graphicData uri="http://schemas.openxmlformats.org/drawingml/2006/table">
+            <a:tbl>
+              <a:tblPr firstRow="1" bandRow="1">
+                <a:tableStyleId>{073A0DAA-6AF3-43AB-8588-CEC1D06C72B9}</a:tableStyleId>
+              </a:tblPr>
+              <a:tblGrid>
+                <a:gridCol w="2008377">
+                  <a:extLst>
+                    <a:ext uri="{9D8B030D-6E8A-4147-A177-3AD203B41FA5}">
+                      <a16:colId xmlns:a16="http://schemas.microsoft.com/office/drawing/2014/main" val="851191943"/>
+                    </a:ext>
+                  </a:extLst>
+                </a:gridCol>
+                <a:gridCol w="6938773">
+                  <a:extLst>
+                    <a:ext uri="{9D8B030D-6E8A-4147-A177-3AD203B41FA5}">
+                      <a16:colId xmlns:a16="http://schemas.microsoft.com/office/drawing/2014/main" val="1490340356"/>
+                    </a:ext>
+                  </a:extLst>
+                </a:gridCol>
+              </a:tblGrid>
+              <a:tr h="402062">
+                <a:tc>
+                  <a:txBody>
+                    <a:bodyPr/>
+                    <a:lstStyle/>
+                    <a:p>
+                      <a:pPr algn="ctr"/>
+                      <a:r>
+                        <a:rPr lang="en-US" dirty="0"/>
+                        <a:t>Weeks</a:t>
+                      </a:r>
+                    </a:p>
+                  </a:txBody>
+                  <a:tcPr/>
+                </a:tc>
+                <a:tc>
+                  <a:txBody>
+                    <a:bodyPr/>
+                    <a:lstStyle/>
+                    <a:p>
+                      <a:pPr algn="ctr"/>
+                      <a:r>
+                        <a:rPr lang="en-US" dirty="0"/>
+                        <a:t>Work Plan</a:t>
+                      </a:r>
+                    </a:p>
+                  </a:txBody>
+                  <a:tcPr/>
+                </a:tc>
+                <a:extLst>
+                  <a:ext uri="{0D108BD9-81ED-4DB2-BD59-A6C34878D82A}">
+                    <a16:rowId xmlns:a16="http://schemas.microsoft.com/office/drawing/2014/main" val="3547524866"/>
+                  </a:ext>
+                </a:extLst>
+              </a:tr>
+              <a:tr h="402062">
+                <a:tc>
+                  <a:txBody>
+                    <a:bodyPr/>
+                    <a:lstStyle/>
+                    <a:p>
+                      <a:pPr algn="ctr"/>
+                      <a:r>
+                        <a:rPr lang="en-US" dirty="0"/>
+                        <a:t>Week 4</a:t>
+                      </a:r>
+                    </a:p>
+                  </a:txBody>
+                  <a:tcPr/>
+                </a:tc>
+                <a:tc>
+                  <a:txBody>
+                    <a:bodyPr/>
+                    <a:lstStyle/>
+                    <a:p>
+                      <a:r>
+                        <a:rPr lang="en-US" dirty="0"/>
+                        <a:t>Prototype Design</a:t>
+                      </a:r>
+                    </a:p>
+                  </a:txBody>
+                  <a:tcPr/>
+                </a:tc>
+                <a:extLst>
+                  <a:ext uri="{0D108BD9-81ED-4DB2-BD59-A6C34878D82A}">
+                    <a16:rowId xmlns:a16="http://schemas.microsoft.com/office/drawing/2014/main" val="1499192685"/>
+                  </a:ext>
+                </a:extLst>
+              </a:tr>
+              <a:tr h="402062">
+                <a:tc>
+                  <a:txBody>
+                    <a:bodyPr/>
+                    <a:lstStyle/>
+                    <a:p>
+                      <a:pPr algn="ctr"/>
+                      <a:r>
+                        <a:rPr lang="en-US" dirty="0"/>
+                        <a:t>Week 5</a:t>
+                      </a:r>
+                    </a:p>
+                  </a:txBody>
+                  <a:tcPr/>
+                </a:tc>
+                <a:tc>
+                  <a:txBody>
+                    <a:bodyPr/>
+                    <a:lstStyle/>
+                    <a:p>
+                      <a:r>
+                        <a:rPr lang="en-US" dirty="0"/>
+                        <a:t>Front End Design</a:t>
+                      </a:r>
+                    </a:p>
+                  </a:txBody>
+                  <a:tcPr/>
+                </a:tc>
+                <a:extLst>
+                  <a:ext uri="{0D108BD9-81ED-4DB2-BD59-A6C34878D82A}">
+                    <a16:rowId xmlns:a16="http://schemas.microsoft.com/office/drawing/2014/main" val="920287347"/>
+                  </a:ext>
+                </a:extLst>
+              </a:tr>
+              <a:tr h="402062">
+                <a:tc>
+                  <a:txBody>
+                    <a:bodyPr/>
+                    <a:lstStyle/>
+                    <a:p>
+                      <a:pPr marL="0" marR="0" lvl="0" indent="0" algn="ctr" defTabSz="457200" rtl="0" eaLnBrk="1" fontAlgn="auto" latinLnBrk="0" hangingPunct="1">
+                        <a:lnSpc>
+                          <a:spcPct val="100000"/>
+                        </a:lnSpc>
+                        <a:spcBef>
+                          <a:spcPts val="0"/>
+                        </a:spcBef>
+                        <a:spcAft>
+                          <a:spcPts val="0"/>
+                        </a:spcAft>
+                        <a:buClrTx/>
+                        <a:buSzTx/>
+                        <a:buFontTx/>
+                        <a:buNone/>
+                        <a:tabLst/>
+                        <a:defRPr/>
+                      </a:pPr>
+                      <a:r>
+                        <a:rPr lang="en-US" dirty="0"/>
+                        <a:t>Week 6</a:t>
+                      </a:r>
+                    </a:p>
+                  </a:txBody>
+                  <a:tcPr/>
+                </a:tc>
+                <a:tc>
+                  <a:txBody>
+                    <a:bodyPr/>
+                    <a:lstStyle/>
+                    <a:p>
+                      <a:r>
+                        <a:rPr lang="en-US" dirty="0"/>
+                        <a:t>ERD diagram and Database Design</a:t>
+                      </a:r>
+                    </a:p>
+                  </a:txBody>
+                  <a:tcPr/>
+                </a:tc>
+                <a:extLst>
+                  <a:ext uri="{0D108BD9-81ED-4DB2-BD59-A6C34878D82A}">
+                    <a16:rowId xmlns:a16="http://schemas.microsoft.com/office/drawing/2014/main" val="121429047"/>
+                  </a:ext>
+                </a:extLst>
+              </a:tr>
+              <a:tr h="402062">
+                <a:tc>
+                  <a:txBody>
+                    <a:bodyPr/>
+                    <a:lstStyle/>
+                    <a:p>
+                      <a:pPr marL="0" marR="0" lvl="0" indent="0" algn="ctr" defTabSz="457200" rtl="0" eaLnBrk="1" fontAlgn="auto" latinLnBrk="0" hangingPunct="1">
+                        <a:lnSpc>
+                          <a:spcPct val="100000"/>
+                        </a:lnSpc>
+                        <a:spcBef>
+                          <a:spcPts val="0"/>
+                        </a:spcBef>
+                        <a:spcAft>
+                          <a:spcPts val="0"/>
+                        </a:spcAft>
+                        <a:buClrTx/>
+                        <a:buSzTx/>
+                        <a:buFontTx/>
+                        <a:buNone/>
+                        <a:tabLst/>
+                        <a:defRPr/>
+                      </a:pPr>
+                      <a:r>
+                        <a:rPr lang="en-US" dirty="0"/>
+                        <a:t>Week 7</a:t>
+                      </a:r>
+                    </a:p>
+                  </a:txBody>
+                  <a:tcPr/>
+                </a:tc>
+                <a:tc>
+                  <a:txBody>
+                    <a:bodyPr/>
+                    <a:lstStyle/>
+                    <a:p>
+                      <a:r>
+                        <a:rPr lang="en-US" dirty="0"/>
+                        <a:t>Database create and Database connection</a:t>
+                      </a:r>
+                    </a:p>
+                  </a:txBody>
+                  <a:tcPr/>
+                </a:tc>
+                <a:extLst>
+                  <a:ext uri="{0D108BD9-81ED-4DB2-BD59-A6C34878D82A}">
+                    <a16:rowId xmlns:a16="http://schemas.microsoft.com/office/drawing/2014/main" val="1043704804"/>
+                  </a:ext>
+                </a:extLst>
+              </a:tr>
+              <a:tr h="402062">
+                <a:tc>
+                  <a:txBody>
+                    <a:bodyPr/>
+                    <a:lstStyle/>
+                    <a:p>
+                      <a:pPr marL="0" marR="0" lvl="0" indent="0" algn="ctr" defTabSz="457200" rtl="0" eaLnBrk="1" fontAlgn="auto" latinLnBrk="0" hangingPunct="1">
+                        <a:lnSpc>
+                          <a:spcPct val="100000"/>
+                        </a:lnSpc>
+                        <a:spcBef>
+                          <a:spcPts val="0"/>
+                        </a:spcBef>
+                        <a:spcAft>
+                          <a:spcPts val="0"/>
+                        </a:spcAft>
+                        <a:buClrTx/>
+                        <a:buSzTx/>
+                        <a:buFontTx/>
+                        <a:buNone/>
+                        <a:tabLst/>
+                        <a:defRPr/>
+                      </a:pPr>
+                      <a:r>
+                        <a:rPr lang="en-US" dirty="0"/>
+                        <a:t>Week 8</a:t>
+                      </a:r>
+                    </a:p>
+                  </a:txBody>
+                  <a:tcPr/>
+                </a:tc>
+                <a:tc>
+                  <a:txBody>
+                    <a:bodyPr/>
+                    <a:lstStyle/>
+                    <a:p>
+                      <a:r>
+                        <a:rPr lang="en-US" dirty="0"/>
+                        <a:t>User sing up, sing in and profile</a:t>
+                      </a:r>
+                    </a:p>
+                  </a:txBody>
+                  <a:tcPr/>
+                </a:tc>
+                <a:extLst>
+                  <a:ext uri="{0D108BD9-81ED-4DB2-BD59-A6C34878D82A}">
+                    <a16:rowId xmlns:a16="http://schemas.microsoft.com/office/drawing/2014/main" val="550720191"/>
+                  </a:ext>
+                </a:extLst>
+              </a:tr>
+              <a:tr h="434711">
+                <a:tc>
+                  <a:txBody>
+                    <a:bodyPr/>
+                    <a:lstStyle/>
+                    <a:p>
+                      <a:pPr marL="0" marR="0" lvl="0" indent="0" algn="ctr" defTabSz="457200" rtl="0" eaLnBrk="1" fontAlgn="auto" latinLnBrk="0" hangingPunct="1">
+                        <a:lnSpc>
+                          <a:spcPct val="100000"/>
+                        </a:lnSpc>
+                        <a:spcBef>
+                          <a:spcPts val="0"/>
+                        </a:spcBef>
+                        <a:spcAft>
+                          <a:spcPts val="0"/>
+                        </a:spcAft>
+                        <a:buClrTx/>
+                        <a:buSzTx/>
+                        <a:buFontTx/>
+                        <a:buNone/>
+                        <a:tabLst/>
+                        <a:defRPr/>
+                      </a:pPr>
+                      <a:r>
+                        <a:rPr lang="en-US" dirty="0"/>
+                        <a:t>Week 9</a:t>
+                      </a:r>
+                    </a:p>
+                  </a:txBody>
+                  <a:tcPr/>
+                </a:tc>
+                <a:tc>
+                  <a:txBody>
+                    <a:bodyPr/>
+                    <a:lstStyle/>
+                    <a:p>
+                      <a:r>
+                        <a:rPr lang="en-US" dirty="0"/>
+                        <a:t>Project Update - 1</a:t>
+                      </a:r>
+                    </a:p>
+                  </a:txBody>
+                  <a:tcPr/>
+                </a:tc>
+                <a:extLst>
+                  <a:ext uri="{0D108BD9-81ED-4DB2-BD59-A6C34878D82A}">
+                    <a16:rowId xmlns:a16="http://schemas.microsoft.com/office/drawing/2014/main" val="47607932"/>
+                  </a:ext>
+                </a:extLst>
+              </a:tr>
+              <a:tr h="402062">
+                <a:tc>
+                  <a:txBody>
+                    <a:bodyPr/>
+                    <a:lstStyle/>
+                    <a:p>
+                      <a:pPr marL="0" marR="0" lvl="0" indent="0" algn="ctr" defTabSz="457200" rtl="0" eaLnBrk="1" fontAlgn="auto" latinLnBrk="0" hangingPunct="1">
+                        <a:lnSpc>
+                          <a:spcPct val="100000"/>
+                        </a:lnSpc>
+                        <a:spcBef>
+                          <a:spcPts val="0"/>
+                        </a:spcBef>
+                        <a:spcAft>
+                          <a:spcPts val="0"/>
+                        </a:spcAft>
+                        <a:buClrTx/>
+                        <a:buSzTx/>
+                        <a:buFontTx/>
+                        <a:buNone/>
+                        <a:tabLst/>
+                        <a:defRPr/>
+                      </a:pPr>
+                      <a:r>
+                        <a:rPr lang="en-US" dirty="0"/>
+                        <a:t>Week 10</a:t>
+                      </a:r>
+                    </a:p>
+                  </a:txBody>
+                  <a:tcPr/>
+                </a:tc>
+                <a:tc>
+                  <a:txBody>
+                    <a:bodyPr/>
+                    <a:lstStyle/>
+                    <a:p>
+                      <a:pPr marL="0" marR="0" lvl="0" indent="0" algn="l" defTabSz="457200" rtl="0" eaLnBrk="1" fontAlgn="auto" latinLnBrk="0" hangingPunct="1">
+                        <a:lnSpc>
+                          <a:spcPct val="100000"/>
+                        </a:lnSpc>
+                        <a:spcBef>
+                          <a:spcPts val="0"/>
+                        </a:spcBef>
+                        <a:spcAft>
+                          <a:spcPts val="0"/>
+                        </a:spcAft>
+                        <a:buClrTx/>
+                        <a:buSzTx/>
+                        <a:buFontTx/>
+                        <a:buNone/>
+                        <a:tabLst/>
+                        <a:defRPr/>
+                      </a:pPr>
+                      <a:r>
+                        <a:rPr lang="en-US" dirty="0"/>
+                        <a:t>Project Update - 2</a:t>
+                      </a:r>
+                    </a:p>
+                  </a:txBody>
+                  <a:tcPr/>
+                </a:tc>
+                <a:extLst>
+                  <a:ext uri="{0D108BD9-81ED-4DB2-BD59-A6C34878D82A}">
+                    <a16:rowId xmlns:a16="http://schemas.microsoft.com/office/drawing/2014/main" val="2155416142"/>
+                  </a:ext>
+                </a:extLst>
+              </a:tr>
+              <a:tr h="402062">
+                <a:tc>
+                  <a:txBody>
+                    <a:bodyPr/>
+                    <a:lstStyle/>
+                    <a:p>
+                      <a:pPr marL="0" marR="0" lvl="0" indent="0" algn="ctr" defTabSz="457200" rtl="0" eaLnBrk="1" fontAlgn="auto" latinLnBrk="0" hangingPunct="1">
+                        <a:lnSpc>
+                          <a:spcPct val="100000"/>
+                        </a:lnSpc>
+                        <a:spcBef>
+                          <a:spcPts val="0"/>
+                        </a:spcBef>
+                        <a:spcAft>
+                          <a:spcPts val="0"/>
+                        </a:spcAft>
+                        <a:buClrTx/>
+                        <a:buSzTx/>
+                        <a:buFontTx/>
+                        <a:buNone/>
+                        <a:tabLst/>
+                        <a:defRPr/>
+                      </a:pPr>
+                      <a:r>
+                        <a:rPr lang="en-US" dirty="0"/>
+                        <a:t>Week 11</a:t>
+                      </a:r>
+                    </a:p>
+                  </a:txBody>
+                  <a:tcPr/>
+                </a:tc>
+                <a:tc>
+                  <a:txBody>
+                    <a:bodyPr/>
+                    <a:lstStyle/>
+                    <a:p>
+                      <a:pPr marL="0" marR="0" lvl="0" indent="0" algn="l" defTabSz="457200" rtl="0" eaLnBrk="1" fontAlgn="auto" latinLnBrk="0" hangingPunct="1">
+                        <a:lnSpc>
+                          <a:spcPct val="100000"/>
+                        </a:lnSpc>
+                        <a:spcBef>
+                          <a:spcPts val="0"/>
+                        </a:spcBef>
+                        <a:spcAft>
+                          <a:spcPts val="0"/>
+                        </a:spcAft>
+                        <a:buClrTx/>
+                        <a:buSzTx/>
+                        <a:buFontTx/>
+                        <a:buNone/>
+                        <a:tabLst/>
+                        <a:defRPr/>
+                      </a:pPr>
+                      <a:r>
+                        <a:rPr lang="en-US" dirty="0"/>
+                        <a:t>Project Update - 3</a:t>
+                      </a:r>
+                    </a:p>
+                  </a:txBody>
+                  <a:tcPr/>
+                </a:tc>
+                <a:extLst>
+                  <a:ext uri="{0D108BD9-81ED-4DB2-BD59-A6C34878D82A}">
+                    <a16:rowId xmlns:a16="http://schemas.microsoft.com/office/drawing/2014/main" val="3239383611"/>
+                  </a:ext>
+                </a:extLst>
+              </a:tr>
+              <a:tr h="402062">
+                <a:tc>
+                  <a:txBody>
+                    <a:bodyPr/>
+                    <a:lstStyle/>
+                    <a:p>
+                      <a:pPr marL="0" marR="0" lvl="0" indent="0" algn="ctr" defTabSz="457200" rtl="0" eaLnBrk="1" fontAlgn="auto" latinLnBrk="0" hangingPunct="1">
+                        <a:lnSpc>
+                          <a:spcPct val="100000"/>
+                        </a:lnSpc>
+                        <a:spcBef>
+                          <a:spcPts val="0"/>
+                        </a:spcBef>
+                        <a:spcAft>
+                          <a:spcPts val="0"/>
+                        </a:spcAft>
+                        <a:buClrTx/>
+                        <a:buSzTx/>
+                        <a:buFontTx/>
+                        <a:buNone/>
+                        <a:tabLst/>
+                        <a:defRPr/>
+                      </a:pPr>
+                      <a:r>
+                        <a:rPr lang="en-US" dirty="0"/>
+                        <a:t>Week 12</a:t>
+                      </a:r>
+                    </a:p>
+                  </a:txBody>
+                  <a:tcPr/>
+                </a:tc>
+                <a:tc>
+                  <a:txBody>
+                    <a:bodyPr/>
+                    <a:lstStyle/>
+                    <a:p>
+                      <a:r>
+                        <a:rPr lang="en-US" dirty="0"/>
+                        <a:t>Demo submission</a:t>
+                      </a:r>
+                    </a:p>
+                  </a:txBody>
+                  <a:tcPr/>
+                </a:tc>
+                <a:extLst>
+                  <a:ext uri="{0D108BD9-81ED-4DB2-BD59-A6C34878D82A}">
+                    <a16:rowId xmlns:a16="http://schemas.microsoft.com/office/drawing/2014/main" val="715631986"/>
+                  </a:ext>
+                </a:extLst>
+              </a:tr>
+              <a:tr h="402062">
+                <a:tc>
+                  <a:txBody>
+                    <a:bodyPr/>
+                    <a:lstStyle/>
+                    <a:p>
+                      <a:pPr marL="0" marR="0" lvl="0" indent="0" algn="ctr" defTabSz="457200" rtl="0" eaLnBrk="1" fontAlgn="auto" latinLnBrk="0" hangingPunct="1">
+                        <a:lnSpc>
+                          <a:spcPct val="100000"/>
+                        </a:lnSpc>
+                        <a:spcBef>
+                          <a:spcPts val="0"/>
+                        </a:spcBef>
+                        <a:spcAft>
+                          <a:spcPts val="0"/>
+                        </a:spcAft>
+                        <a:buClrTx/>
+                        <a:buSzTx/>
+                        <a:buFontTx/>
+                        <a:buNone/>
+                        <a:tabLst/>
+                        <a:defRPr/>
+                      </a:pPr>
+                      <a:r>
+                        <a:rPr lang="en-US" dirty="0"/>
+                        <a:t>Week 13</a:t>
+                      </a:r>
+                    </a:p>
+                  </a:txBody>
+                  <a:tcPr/>
+                </a:tc>
+                <a:tc>
+                  <a:txBody>
+                    <a:bodyPr/>
+                    <a:lstStyle/>
+                    <a:p>
+                      <a:r>
+                        <a:rPr lang="en-US" dirty="0"/>
+                        <a:t>Final project submission</a:t>
+                      </a:r>
+                    </a:p>
+                  </a:txBody>
+                  <a:tcPr/>
+                </a:tc>
+                <a:extLst>
+                  <a:ext uri="{0D108BD9-81ED-4DB2-BD59-A6C34878D82A}">
+                    <a16:rowId xmlns:a16="http://schemas.microsoft.com/office/drawing/2014/main" val="1381623477"/>
+                  </a:ext>
+                </a:extLst>
+              </a:tr>
+              <a:tr h="402062">
+                <a:tc>
+                  <a:txBody>
+                    <a:bodyPr/>
+                    <a:lstStyle/>
+                    <a:p>
+                      <a:pPr marL="0" marR="0" lvl="0" indent="0" algn="ctr" defTabSz="457200" rtl="0" eaLnBrk="1" fontAlgn="auto" latinLnBrk="0" hangingPunct="1">
+                        <a:lnSpc>
+                          <a:spcPct val="100000"/>
+                        </a:lnSpc>
+                        <a:spcBef>
+                          <a:spcPts val="0"/>
+                        </a:spcBef>
+                        <a:spcAft>
+                          <a:spcPts val="0"/>
+                        </a:spcAft>
+                        <a:buClrTx/>
+                        <a:buSzTx/>
+                        <a:buFontTx/>
+                        <a:buNone/>
+                        <a:tabLst/>
+                        <a:defRPr/>
+                      </a:pPr>
+                      <a:r>
+                        <a:rPr lang="en-US" dirty="0"/>
+                        <a:t>Week 14</a:t>
+                      </a:r>
+                    </a:p>
+                  </a:txBody>
+                  <a:tcPr/>
+                </a:tc>
+                <a:tc>
+                  <a:txBody>
+                    <a:bodyPr/>
+                    <a:lstStyle/>
+                    <a:p>
+                      <a:r>
+                        <a:rPr lang="en-US" dirty="0"/>
+                        <a:t>Report submission </a:t>
+                      </a:r>
+                      <a:r>
+                        <a:rPr lang="en-US"/>
+                        <a:t>and Presentation</a:t>
+                      </a:r>
+                      <a:endParaRPr lang="en-US" dirty="0"/>
+                    </a:p>
+                  </a:txBody>
+                  <a:tcPr/>
+                </a:tc>
+                <a:extLst>
+                  <a:ext uri="{0D108BD9-81ED-4DB2-BD59-A6C34878D82A}">
+                    <a16:rowId xmlns:a16="http://schemas.microsoft.com/office/drawing/2014/main" val="1247563047"/>
+                  </a:ext>
+                </a:extLst>
+              </a:tr>
+            </a:tbl>
+          </a:graphicData>
+        </a:graphic>
+      </p:graphicFrame>
+    </p:spTree>
+    <p:extLst>
+      <p:ext uri="{BB962C8B-B14F-4D97-AF65-F5344CB8AC3E}">
+        <p14:creationId xmlns:p14="http://schemas.microsoft.com/office/powerpoint/2010/main" val="3436712812"/>
+      </p:ext>
+    </p:extLst>
+  </p:cSld>
+  <p:clrMapOvr>
+    <a:masterClrMapping/>
+  </p:clrMapOvr>
+</p:sld>
+</file>
+
+<file path=ppt/slides/slide8.xml><?xml version="1.0" encoding="utf-8"?>
 <p:sld xmlns:a="http://schemas.openxmlformats.org/drawingml/2006/main" xmlns:r="http://schemas.openxmlformats.org/officeDocument/2006/relationships" xmlns:p="http://schemas.openxmlformats.org/presentationml/2006/main">
   <p:cSld>
     <p:spTree>

--- a/Repeat-Exam-Form-Generator-Copy.pptx
+++ b/Repeat-Exam-Form-Generator-Copy.pptx
@@ -7680,13 +7680,8 @@
                     <a:p>
                       <a:r>
                         <a:rPr lang="en-US" dirty="0"/>
-                        <a:t>Report submission </a:t>
+                        <a:t>Report submission and Presentation</a:t>
                       </a:r>
-                      <a:r>
-                        <a:rPr lang="en-US"/>
-                        <a:t>and Presentation</a:t>
-                      </a:r>
-                      <a:endParaRPr lang="en-US" dirty="0"/>
                     </a:p>
                   </a:txBody>
                   <a:tcPr/>
